--- a/其它/微微/架构/iOS架构.pptx
+++ b/其它/微微/架构/iOS架构.pptx
@@ -260,7 +260,7 @@
           <a:p>
             <a:fld id="{565434B3-B695-2543-B867-A174A411CBE5}" type="datetimeFigureOut">
               <a:rPr lang="en-US" smtClean="0"/>
-              <a:t>3/4/19</a:t>
+              <a:t>3/18/19</a:t>
             </a:fld>
             <a:endParaRPr lang="en-US"/>
           </a:p>
@@ -458,7 +458,7 @@
           <a:p>
             <a:fld id="{565434B3-B695-2543-B867-A174A411CBE5}" type="datetimeFigureOut">
               <a:rPr lang="en-US" smtClean="0"/>
-              <a:t>3/4/19</a:t>
+              <a:t>3/18/19</a:t>
             </a:fld>
             <a:endParaRPr lang="en-US"/>
           </a:p>
@@ -666,7 +666,7 @@
           <a:p>
             <a:fld id="{565434B3-B695-2543-B867-A174A411CBE5}" type="datetimeFigureOut">
               <a:rPr lang="en-US" smtClean="0"/>
-              <a:t>3/4/19</a:t>
+              <a:t>3/18/19</a:t>
             </a:fld>
             <a:endParaRPr lang="en-US"/>
           </a:p>
@@ -864,7 +864,7 @@
           <a:p>
             <a:fld id="{565434B3-B695-2543-B867-A174A411CBE5}" type="datetimeFigureOut">
               <a:rPr lang="en-US" smtClean="0"/>
-              <a:t>3/4/19</a:t>
+              <a:t>3/18/19</a:t>
             </a:fld>
             <a:endParaRPr lang="en-US"/>
           </a:p>
@@ -1139,7 +1139,7 @@
           <a:p>
             <a:fld id="{565434B3-B695-2543-B867-A174A411CBE5}" type="datetimeFigureOut">
               <a:rPr lang="en-US" smtClean="0"/>
-              <a:t>3/4/19</a:t>
+              <a:t>3/18/19</a:t>
             </a:fld>
             <a:endParaRPr lang="en-US"/>
           </a:p>
@@ -1404,7 +1404,7 @@
           <a:p>
             <a:fld id="{565434B3-B695-2543-B867-A174A411CBE5}" type="datetimeFigureOut">
               <a:rPr lang="en-US" smtClean="0"/>
-              <a:t>3/4/19</a:t>
+              <a:t>3/18/19</a:t>
             </a:fld>
             <a:endParaRPr lang="en-US"/>
           </a:p>
@@ -1816,7 +1816,7 @@
           <a:p>
             <a:fld id="{565434B3-B695-2543-B867-A174A411CBE5}" type="datetimeFigureOut">
               <a:rPr lang="en-US" smtClean="0"/>
-              <a:t>3/4/19</a:t>
+              <a:t>3/18/19</a:t>
             </a:fld>
             <a:endParaRPr lang="en-US"/>
           </a:p>
@@ -1957,7 +1957,7 @@
           <a:p>
             <a:fld id="{565434B3-B695-2543-B867-A174A411CBE5}" type="datetimeFigureOut">
               <a:rPr lang="en-US" smtClean="0"/>
-              <a:t>3/4/19</a:t>
+              <a:t>3/18/19</a:t>
             </a:fld>
             <a:endParaRPr lang="en-US"/>
           </a:p>
@@ -2070,7 +2070,7 @@
           <a:p>
             <a:fld id="{565434B3-B695-2543-B867-A174A411CBE5}" type="datetimeFigureOut">
               <a:rPr lang="en-US" smtClean="0"/>
-              <a:t>3/4/19</a:t>
+              <a:t>3/18/19</a:t>
             </a:fld>
             <a:endParaRPr lang="en-US"/>
           </a:p>
@@ -2381,7 +2381,7 @@
           <a:p>
             <a:fld id="{565434B3-B695-2543-B867-A174A411CBE5}" type="datetimeFigureOut">
               <a:rPr lang="en-US" smtClean="0"/>
-              <a:t>3/4/19</a:t>
+              <a:t>3/18/19</a:t>
             </a:fld>
             <a:endParaRPr lang="en-US"/>
           </a:p>
@@ -2669,7 +2669,7 @@
           <a:p>
             <a:fld id="{565434B3-B695-2543-B867-A174A411CBE5}" type="datetimeFigureOut">
               <a:rPr lang="en-US" smtClean="0"/>
-              <a:t>3/4/19</a:t>
+              <a:t>3/18/19</a:t>
             </a:fld>
             <a:endParaRPr lang="en-US"/>
           </a:p>
@@ -2910,7 +2910,7 @@
           <a:p>
             <a:fld id="{565434B3-B695-2543-B867-A174A411CBE5}" type="datetimeFigureOut">
               <a:rPr lang="en-US" smtClean="0"/>
-              <a:t>3/4/19</a:t>
+              <a:t>3/18/19</a:t>
             </a:fld>
             <a:endParaRPr lang="en-US"/>
           </a:p>
@@ -4383,7 +4383,7 @@
         </p:nvSpPr>
         <p:spPr>
           <a:xfrm>
-            <a:off x="3789033" y="4843185"/>
+            <a:off x="3736189" y="4842089"/>
             <a:ext cx="962530" cy="328089"/>
           </a:xfrm>
           <a:prstGeom prst="rect">
@@ -7105,6 +7105,1211 @@
                 <a:ea typeface="Microsoft YaHei Light" panose="020B0502040204020203" pitchFamily="34" charset="-122"/>
               </a:rPr>
               <a:t>规范</a:t>
+            </a:r>
+            <a:endParaRPr lang="en-US" sz="1200" dirty="0">
+              <a:latin typeface="Microsoft YaHei Light" panose="020B0502040204020203" pitchFamily="34" charset="-122"/>
+              <a:ea typeface="Microsoft YaHei Light" panose="020B0502040204020203" pitchFamily="34" charset="-122"/>
+            </a:endParaRPr>
+          </a:p>
+        </p:txBody>
+      </p:sp>
+      <p:sp>
+        <p:nvSpPr>
+          <p:cNvPr id="24" name="Rectangle 104">
+            <a:extLst>
+              <a:ext uri="{FF2B5EF4-FFF2-40B4-BE49-F238E27FC236}">
+                <a16:creationId xmlns:a16="http://schemas.microsoft.com/office/drawing/2014/main" id="{8DF228F3-3887-2C4D-B592-47578217907B}"/>
+              </a:ext>
+            </a:extLst>
+          </p:cNvPr>
+          <p:cNvSpPr/>
+          <p:nvPr/>
+        </p:nvSpPr>
+        <p:spPr>
+          <a:xfrm>
+            <a:off x="682556" y="3667328"/>
+            <a:ext cx="10011383" cy="2957208"/>
+          </a:xfrm>
+          <a:prstGeom prst="rect">
+            <a:avLst/>
+          </a:prstGeom>
+          <a:solidFill>
+            <a:schemeClr val="bg1"/>
+          </a:solidFill>
+        </p:spPr>
+        <p:style>
+          <a:lnRef idx="2">
+            <a:schemeClr val="accent1">
+              <a:shade val="50000"/>
+            </a:schemeClr>
+          </a:lnRef>
+          <a:fillRef idx="1">
+            <a:schemeClr val="accent1"/>
+          </a:fillRef>
+          <a:effectRef idx="0">
+            <a:schemeClr val="accent1"/>
+          </a:effectRef>
+          <a:fontRef idx="minor">
+            <a:schemeClr val="lt1"/>
+          </a:fontRef>
+        </p:style>
+        <p:txBody>
+          <a:bodyPr rot="0" spcFirstLastPara="0" vertOverflow="overflow" horzOverflow="overflow" vert="horz" wrap="square" lIns="91440" tIns="45720" rIns="91440" bIns="45720" numCol="1" spcCol="0" rtlCol="0" fromWordArt="0" anchor="ctr" anchorCtr="0" forceAA="0" compatLnSpc="1">
+            <a:prstTxWarp prst="textNoShape">
+              <a:avLst/>
+            </a:prstTxWarp>
+            <a:noAutofit/>
+          </a:bodyPr>
+          <a:lstStyle/>
+          <a:p>
+            <a:r>
+              <a:rPr lang="zh-CN" altLang="en-US" sz="1200" dirty="0">
+                <a:solidFill>
+                  <a:schemeClr val="tx1"/>
+                </a:solidFill>
+                <a:latin typeface="Microsoft YaHei Light" panose="020B0502040204020203" pitchFamily="34" charset="-122"/>
+                <a:ea typeface="Microsoft YaHei Light" panose="020B0502040204020203" pitchFamily="34" charset="-122"/>
+              </a:rPr>
+              <a:t>组件列表  </a:t>
+            </a:r>
+            <a:endParaRPr lang="en-US" sz="1200" dirty="0">
+              <a:solidFill>
+                <a:schemeClr val="tx1"/>
+              </a:solidFill>
+              <a:latin typeface="Microsoft YaHei Light" panose="020B0502040204020203" pitchFamily="34" charset="-122"/>
+              <a:ea typeface="Microsoft YaHei Light" panose="020B0502040204020203" pitchFamily="34" charset="-122"/>
+            </a:endParaRPr>
+          </a:p>
+        </p:txBody>
+      </p:sp>
+      <p:sp>
+        <p:nvSpPr>
+          <p:cNvPr id="25" name="Rectangle 50">
+            <a:extLst>
+              <a:ext uri="{FF2B5EF4-FFF2-40B4-BE49-F238E27FC236}">
+                <a16:creationId xmlns:a16="http://schemas.microsoft.com/office/drawing/2014/main" id="{D228D510-9DC4-EB4B-8A6C-B71BD3CF62C0}"/>
+              </a:ext>
+            </a:extLst>
+          </p:cNvPr>
+          <p:cNvSpPr/>
+          <p:nvPr/>
+        </p:nvSpPr>
+        <p:spPr>
+          <a:xfrm>
+            <a:off x="1659083" y="3820279"/>
+            <a:ext cx="1930424" cy="333432"/>
+          </a:xfrm>
+          <a:prstGeom prst="rect">
+            <a:avLst/>
+          </a:prstGeom>
+        </p:spPr>
+        <p:style>
+          <a:lnRef idx="2">
+            <a:schemeClr val="accent1"/>
+          </a:lnRef>
+          <a:fillRef idx="1">
+            <a:schemeClr val="lt1"/>
+          </a:fillRef>
+          <a:effectRef idx="0">
+            <a:schemeClr val="accent1"/>
+          </a:effectRef>
+          <a:fontRef idx="minor">
+            <a:schemeClr val="dk1"/>
+          </a:fontRef>
+        </p:style>
+        <p:txBody>
+          <a:bodyPr rtlCol="0" anchor="ctr"/>
+          <a:lstStyle/>
+          <a:p>
+            <a:pPr algn="ctr"/>
+            <a:r>
+              <a:rPr lang="en-US" sz="1200" dirty="0">
+                <a:latin typeface="Microsoft YaHei Light" panose="020B0502040204020203" pitchFamily="34" charset="-122"/>
+                <a:ea typeface="Microsoft YaHei Light" panose="020B0502040204020203" pitchFamily="34" charset="-122"/>
+              </a:rPr>
+              <a:t>http/https</a:t>
+            </a:r>
+            <a:r>
+              <a:rPr lang="zh-CN" altLang="en-US" sz="1200" dirty="0">
+                <a:latin typeface="Microsoft YaHei Light" panose="020B0502040204020203" pitchFamily="34" charset="-122"/>
+                <a:ea typeface="Microsoft YaHei Light" panose="020B0502040204020203" pitchFamily="34" charset="-122"/>
+              </a:rPr>
+              <a:t>网络请求组件</a:t>
+            </a:r>
+            <a:endParaRPr lang="en-US" sz="1200" dirty="0">
+              <a:latin typeface="Microsoft YaHei Light" panose="020B0502040204020203" pitchFamily="34" charset="-122"/>
+              <a:ea typeface="Microsoft YaHei Light" panose="020B0502040204020203" pitchFamily="34" charset="-122"/>
+            </a:endParaRPr>
+          </a:p>
+        </p:txBody>
+      </p:sp>
+      <p:sp>
+        <p:nvSpPr>
+          <p:cNvPr id="26" name="Rectangle 50">
+            <a:extLst>
+              <a:ext uri="{FF2B5EF4-FFF2-40B4-BE49-F238E27FC236}">
+                <a16:creationId xmlns:a16="http://schemas.microsoft.com/office/drawing/2014/main" id="{498FCB2E-9ECC-D84A-B380-10874B6AD8E5}"/>
+              </a:ext>
+            </a:extLst>
+          </p:cNvPr>
+          <p:cNvSpPr/>
+          <p:nvPr/>
+        </p:nvSpPr>
+        <p:spPr>
+          <a:xfrm>
+            <a:off x="1655655" y="4292547"/>
+            <a:ext cx="1235415" cy="327600"/>
+          </a:xfrm>
+          <a:prstGeom prst="rect">
+            <a:avLst/>
+          </a:prstGeom>
+        </p:spPr>
+        <p:style>
+          <a:lnRef idx="2">
+            <a:schemeClr val="accent1"/>
+          </a:lnRef>
+          <a:fillRef idx="1">
+            <a:schemeClr val="lt1"/>
+          </a:fillRef>
+          <a:effectRef idx="0">
+            <a:schemeClr val="accent1"/>
+          </a:effectRef>
+          <a:fontRef idx="minor">
+            <a:schemeClr val="dk1"/>
+          </a:fontRef>
+        </p:style>
+        <p:txBody>
+          <a:bodyPr rtlCol="0" anchor="ctr"/>
+          <a:lstStyle/>
+          <a:p>
+            <a:pPr algn="ctr"/>
+            <a:r>
+              <a:rPr lang="zh-CN" altLang="en-US" sz="1200" dirty="0">
+                <a:latin typeface="Microsoft YaHei Light" panose="020B0502040204020203" pitchFamily="34" charset="-122"/>
+                <a:ea typeface="Microsoft YaHei Light" panose="020B0502040204020203" pitchFamily="34" charset="-122"/>
+              </a:rPr>
+              <a:t>网络监测组件</a:t>
+            </a:r>
+            <a:endParaRPr lang="en-US" sz="1200" dirty="0">
+              <a:latin typeface="Microsoft YaHei Light" panose="020B0502040204020203" pitchFamily="34" charset="-122"/>
+              <a:ea typeface="Microsoft YaHei Light" panose="020B0502040204020203" pitchFamily="34" charset="-122"/>
+            </a:endParaRPr>
+          </a:p>
+        </p:txBody>
+      </p:sp>
+      <p:sp>
+        <p:nvSpPr>
+          <p:cNvPr id="27" name="Rectangle 50">
+            <a:extLst>
+              <a:ext uri="{FF2B5EF4-FFF2-40B4-BE49-F238E27FC236}">
+                <a16:creationId xmlns:a16="http://schemas.microsoft.com/office/drawing/2014/main" id="{7A86EDEA-27E5-B543-B40A-88474A938884}"/>
+              </a:ext>
+            </a:extLst>
+          </p:cNvPr>
+          <p:cNvSpPr/>
+          <p:nvPr/>
+        </p:nvSpPr>
+        <p:spPr>
+          <a:xfrm>
+            <a:off x="8853212" y="3835818"/>
+            <a:ext cx="1447415" cy="327600"/>
+          </a:xfrm>
+          <a:prstGeom prst="rect">
+            <a:avLst/>
+          </a:prstGeom>
+        </p:spPr>
+        <p:style>
+          <a:lnRef idx="2">
+            <a:schemeClr val="accent1"/>
+          </a:lnRef>
+          <a:fillRef idx="1">
+            <a:schemeClr val="lt1"/>
+          </a:fillRef>
+          <a:effectRef idx="0">
+            <a:schemeClr val="accent1"/>
+          </a:effectRef>
+          <a:fontRef idx="minor">
+            <a:schemeClr val="dk1"/>
+          </a:fontRef>
+        </p:style>
+        <p:txBody>
+          <a:bodyPr rtlCol="0" anchor="ctr"/>
+          <a:lstStyle/>
+          <a:p>
+            <a:pPr algn="ctr"/>
+            <a:r>
+              <a:rPr lang="zh-CN" altLang="en-US" sz="1200" dirty="0">
+                <a:latin typeface="Microsoft YaHei Light" panose="020B0502040204020203" pitchFamily="34" charset="-122"/>
+                <a:ea typeface="Microsoft YaHei Light" panose="020B0502040204020203" pitchFamily="34" charset="-122"/>
+              </a:rPr>
+              <a:t>设备信息获取组件</a:t>
+            </a:r>
+            <a:endParaRPr lang="en-US" sz="1200" dirty="0">
+              <a:latin typeface="Microsoft YaHei Light" panose="020B0502040204020203" pitchFamily="34" charset="-122"/>
+              <a:ea typeface="Microsoft YaHei Light" panose="020B0502040204020203" pitchFamily="34" charset="-122"/>
+            </a:endParaRPr>
+          </a:p>
+        </p:txBody>
+      </p:sp>
+      <p:sp>
+        <p:nvSpPr>
+          <p:cNvPr id="28" name="Rectangle 50">
+            <a:extLst>
+              <a:ext uri="{FF2B5EF4-FFF2-40B4-BE49-F238E27FC236}">
+                <a16:creationId xmlns:a16="http://schemas.microsoft.com/office/drawing/2014/main" id="{4FC99A2E-60A8-1646-B2FC-90F88F0F1817}"/>
+              </a:ext>
+            </a:extLst>
+          </p:cNvPr>
+          <p:cNvSpPr/>
+          <p:nvPr/>
+        </p:nvSpPr>
+        <p:spPr>
+          <a:xfrm>
+            <a:off x="6805012" y="4298379"/>
+            <a:ext cx="1447414" cy="327600"/>
+          </a:xfrm>
+          <a:prstGeom prst="rect">
+            <a:avLst/>
+          </a:prstGeom>
+        </p:spPr>
+        <p:style>
+          <a:lnRef idx="2">
+            <a:schemeClr val="accent1"/>
+          </a:lnRef>
+          <a:fillRef idx="1">
+            <a:schemeClr val="lt1"/>
+          </a:fillRef>
+          <a:effectRef idx="0">
+            <a:schemeClr val="accent1"/>
+          </a:effectRef>
+          <a:fontRef idx="minor">
+            <a:schemeClr val="dk1"/>
+          </a:fontRef>
+        </p:style>
+        <p:txBody>
+          <a:bodyPr rtlCol="0" anchor="ctr"/>
+          <a:lstStyle/>
+          <a:p>
+            <a:pPr algn="ctr"/>
+            <a:r>
+              <a:rPr lang="en-US" altLang="ja-JP" sz="1200" dirty="0">
+                <a:latin typeface="Microsoft YaHei Light" panose="020B0502040204020203" pitchFamily="34" charset="-122"/>
+                <a:ea typeface="Microsoft YaHei Light" panose="020B0502040204020203" pitchFamily="34" charset="-122"/>
+              </a:rPr>
+              <a:t>App</a:t>
+            </a:r>
+            <a:r>
+              <a:rPr lang="zh-CN" altLang="en-US" sz="1200" dirty="0">
+                <a:latin typeface="Microsoft YaHei Light" panose="020B0502040204020203" pitchFamily="34" charset="-122"/>
+                <a:ea typeface="Microsoft YaHei Light" panose="020B0502040204020203" pitchFamily="34" charset="-122"/>
+              </a:rPr>
+              <a:t>信息获取组件</a:t>
+            </a:r>
+            <a:endParaRPr lang="en-US" sz="1200" dirty="0">
+              <a:latin typeface="Microsoft YaHei Light" panose="020B0502040204020203" pitchFamily="34" charset="-122"/>
+              <a:ea typeface="Microsoft YaHei Light" panose="020B0502040204020203" pitchFamily="34" charset="-122"/>
+            </a:endParaRPr>
+          </a:p>
+        </p:txBody>
+      </p:sp>
+      <p:sp>
+        <p:nvSpPr>
+          <p:cNvPr id="29" name="Rectangle 50">
+            <a:extLst>
+              <a:ext uri="{FF2B5EF4-FFF2-40B4-BE49-F238E27FC236}">
+                <a16:creationId xmlns:a16="http://schemas.microsoft.com/office/drawing/2014/main" id="{B32E6196-0441-5D4E-BDC4-A57EEC0BA96F}"/>
+              </a:ext>
+            </a:extLst>
+          </p:cNvPr>
+          <p:cNvSpPr/>
+          <p:nvPr/>
+        </p:nvSpPr>
+        <p:spPr>
+          <a:xfrm>
+            <a:off x="5463068" y="3829986"/>
+            <a:ext cx="1050068" cy="327600"/>
+          </a:xfrm>
+          <a:prstGeom prst="rect">
+            <a:avLst/>
+          </a:prstGeom>
+        </p:spPr>
+        <p:style>
+          <a:lnRef idx="2">
+            <a:schemeClr val="accent1"/>
+          </a:lnRef>
+          <a:fillRef idx="1">
+            <a:schemeClr val="lt1"/>
+          </a:fillRef>
+          <a:effectRef idx="0">
+            <a:schemeClr val="accent1"/>
+          </a:effectRef>
+          <a:fontRef idx="minor">
+            <a:schemeClr val="dk1"/>
+          </a:fontRef>
+        </p:style>
+        <p:txBody>
+          <a:bodyPr rtlCol="0" anchor="ctr"/>
+          <a:lstStyle/>
+          <a:p>
+            <a:pPr algn="ctr"/>
+            <a:r>
+              <a:rPr lang="zh-CN" altLang="en-US" sz="1200" dirty="0">
+                <a:latin typeface="Microsoft YaHei Light" panose="020B0502040204020203" pitchFamily="34" charset="-122"/>
+                <a:ea typeface="Microsoft YaHei Light" panose="020B0502040204020203" pitchFamily="34" charset="-122"/>
+              </a:rPr>
+              <a:t>加解密组件</a:t>
+            </a:r>
+            <a:endParaRPr lang="en-US" sz="1200" dirty="0">
+              <a:latin typeface="Microsoft YaHei Light" panose="020B0502040204020203" pitchFamily="34" charset="-122"/>
+              <a:ea typeface="Microsoft YaHei Light" panose="020B0502040204020203" pitchFamily="34" charset="-122"/>
+            </a:endParaRPr>
+          </a:p>
+        </p:txBody>
+      </p:sp>
+      <p:sp>
+        <p:nvSpPr>
+          <p:cNvPr id="30" name="Rectangle 50">
+            <a:extLst>
+              <a:ext uri="{FF2B5EF4-FFF2-40B4-BE49-F238E27FC236}">
+                <a16:creationId xmlns:a16="http://schemas.microsoft.com/office/drawing/2014/main" id="{1DFC4872-7751-9245-8B34-941295A1C968}"/>
+              </a:ext>
+            </a:extLst>
+          </p:cNvPr>
+          <p:cNvSpPr/>
+          <p:nvPr/>
+        </p:nvSpPr>
+        <p:spPr>
+          <a:xfrm>
+            <a:off x="3757823" y="3829986"/>
+            <a:ext cx="1536929" cy="323725"/>
+          </a:xfrm>
+          <a:prstGeom prst="rect">
+            <a:avLst/>
+          </a:prstGeom>
+        </p:spPr>
+        <p:style>
+          <a:lnRef idx="2">
+            <a:schemeClr val="accent1"/>
+          </a:lnRef>
+          <a:fillRef idx="1">
+            <a:schemeClr val="lt1"/>
+          </a:fillRef>
+          <a:effectRef idx="0">
+            <a:schemeClr val="accent1"/>
+          </a:effectRef>
+          <a:fontRef idx="minor">
+            <a:schemeClr val="dk1"/>
+          </a:fontRef>
+        </p:style>
+        <p:txBody>
+          <a:bodyPr rtlCol="0" anchor="ctr"/>
+          <a:lstStyle/>
+          <a:p>
+            <a:pPr algn="ctr"/>
+            <a:r>
+              <a:rPr lang="zh-CN" altLang="en-US" sz="1200" dirty="0">
+                <a:latin typeface="Microsoft YaHei Light" panose="020B0502040204020203" pitchFamily="34" charset="-122"/>
+                <a:ea typeface="Microsoft YaHei Light" panose="020B0502040204020203" pitchFamily="34" charset="-122"/>
+              </a:rPr>
+              <a:t>图片缓存组件</a:t>
+            </a:r>
+            <a:endParaRPr lang="en-US" sz="1200" dirty="0">
+              <a:latin typeface="Microsoft YaHei Light" panose="020B0502040204020203" pitchFamily="34" charset="-122"/>
+              <a:ea typeface="Microsoft YaHei Light" panose="020B0502040204020203" pitchFamily="34" charset="-122"/>
+            </a:endParaRPr>
+          </a:p>
+        </p:txBody>
+      </p:sp>
+      <p:sp>
+        <p:nvSpPr>
+          <p:cNvPr id="31" name="Rectangle 50">
+            <a:extLst>
+              <a:ext uri="{FF2B5EF4-FFF2-40B4-BE49-F238E27FC236}">
+                <a16:creationId xmlns:a16="http://schemas.microsoft.com/office/drawing/2014/main" id="{48BC7EDD-80BF-2043-97A7-C36FF82B06FF}"/>
+              </a:ext>
+            </a:extLst>
+          </p:cNvPr>
+          <p:cNvSpPr/>
+          <p:nvPr/>
+        </p:nvSpPr>
+        <p:spPr>
+          <a:xfrm>
+            <a:off x="3021149" y="4292547"/>
+            <a:ext cx="1930424" cy="333432"/>
+          </a:xfrm>
+          <a:prstGeom prst="rect">
+            <a:avLst/>
+          </a:prstGeom>
+        </p:spPr>
+        <p:style>
+          <a:lnRef idx="2">
+            <a:schemeClr val="accent1"/>
+          </a:lnRef>
+          <a:fillRef idx="1">
+            <a:schemeClr val="lt1"/>
+          </a:fillRef>
+          <a:effectRef idx="0">
+            <a:schemeClr val="accent1"/>
+          </a:effectRef>
+          <a:fontRef idx="minor">
+            <a:schemeClr val="dk1"/>
+          </a:fontRef>
+        </p:style>
+        <p:txBody>
+          <a:bodyPr rtlCol="0" anchor="ctr"/>
+          <a:lstStyle/>
+          <a:p>
+            <a:pPr algn="ctr"/>
+            <a:r>
+              <a:rPr lang="zh-CN" altLang="en-US" sz="1200" dirty="0">
+                <a:latin typeface="Microsoft YaHei Light" panose="020B0502040204020203" pitchFamily="34" charset="-122"/>
+                <a:ea typeface="Microsoft YaHei Light" panose="020B0502040204020203" pitchFamily="34" charset="-122"/>
+              </a:rPr>
+              <a:t>数据缓存组件</a:t>
+            </a:r>
+            <a:endParaRPr lang="en-US" sz="1200" dirty="0">
+              <a:latin typeface="Microsoft YaHei Light" panose="020B0502040204020203" pitchFamily="34" charset="-122"/>
+              <a:ea typeface="Microsoft YaHei Light" panose="020B0502040204020203" pitchFamily="34" charset="-122"/>
+            </a:endParaRPr>
+          </a:p>
+        </p:txBody>
+      </p:sp>
+      <p:sp>
+        <p:nvSpPr>
+          <p:cNvPr id="32" name="Rectangle 50">
+            <a:extLst>
+              <a:ext uri="{FF2B5EF4-FFF2-40B4-BE49-F238E27FC236}">
+                <a16:creationId xmlns:a16="http://schemas.microsoft.com/office/drawing/2014/main" id="{97783DBB-F9EF-5540-A8BF-96E88B3B8B07}"/>
+              </a:ext>
+            </a:extLst>
+          </p:cNvPr>
+          <p:cNvSpPr/>
+          <p:nvPr/>
+        </p:nvSpPr>
+        <p:spPr>
+          <a:xfrm>
+            <a:off x="8605921" y="4282900"/>
+            <a:ext cx="1930424" cy="333432"/>
+          </a:xfrm>
+          <a:prstGeom prst="rect">
+            <a:avLst/>
+          </a:prstGeom>
+        </p:spPr>
+        <p:style>
+          <a:lnRef idx="2">
+            <a:schemeClr val="accent1"/>
+          </a:lnRef>
+          <a:fillRef idx="1">
+            <a:schemeClr val="lt1"/>
+          </a:fillRef>
+          <a:effectRef idx="0">
+            <a:schemeClr val="accent1"/>
+          </a:effectRef>
+          <a:fontRef idx="minor">
+            <a:schemeClr val="dk1"/>
+          </a:fontRef>
+        </p:style>
+        <p:txBody>
+          <a:bodyPr rtlCol="0" anchor="ctr"/>
+          <a:lstStyle/>
+          <a:p>
+            <a:pPr algn="ctr"/>
+            <a:r>
+              <a:rPr lang="zh-CN" altLang="en-US" sz="1200" dirty="0">
+                <a:latin typeface="Microsoft YaHei Light" panose="020B0502040204020203" pitchFamily="34" charset="-122"/>
+                <a:ea typeface="Microsoft YaHei Light" panose="020B0502040204020203" pitchFamily="34" charset="-122"/>
+              </a:rPr>
+              <a:t>路由调度中心组件</a:t>
+            </a:r>
+            <a:endParaRPr lang="en-US" sz="1200" dirty="0">
+              <a:latin typeface="Microsoft YaHei Light" panose="020B0502040204020203" pitchFamily="34" charset="-122"/>
+              <a:ea typeface="Microsoft YaHei Light" panose="020B0502040204020203" pitchFamily="34" charset="-122"/>
+            </a:endParaRPr>
+          </a:p>
+        </p:txBody>
+      </p:sp>
+      <p:sp>
+        <p:nvSpPr>
+          <p:cNvPr id="33" name="Rectangle 50">
+            <a:extLst>
+              <a:ext uri="{FF2B5EF4-FFF2-40B4-BE49-F238E27FC236}">
+                <a16:creationId xmlns:a16="http://schemas.microsoft.com/office/drawing/2014/main" id="{E29A5639-88CE-9A49-AAD1-F2C0A9AEBC3D}"/>
+              </a:ext>
+            </a:extLst>
+          </p:cNvPr>
+          <p:cNvSpPr/>
+          <p:nvPr/>
+        </p:nvSpPr>
+        <p:spPr>
+          <a:xfrm>
+            <a:off x="1655655" y="4953227"/>
+            <a:ext cx="1930424" cy="333432"/>
+          </a:xfrm>
+          <a:prstGeom prst="rect">
+            <a:avLst/>
+          </a:prstGeom>
+        </p:spPr>
+        <p:style>
+          <a:lnRef idx="2">
+            <a:schemeClr val="accent1"/>
+          </a:lnRef>
+          <a:fillRef idx="1">
+            <a:schemeClr val="lt1"/>
+          </a:fillRef>
+          <a:effectRef idx="0">
+            <a:schemeClr val="accent1"/>
+          </a:effectRef>
+          <a:fontRef idx="minor">
+            <a:schemeClr val="dk1"/>
+          </a:fontRef>
+        </p:style>
+        <p:txBody>
+          <a:bodyPr rtlCol="0" anchor="ctr"/>
+          <a:lstStyle/>
+          <a:p>
+            <a:pPr algn="ctr"/>
+            <a:r>
+              <a:rPr lang="en-US" sz="1200" dirty="0">
+                <a:latin typeface="Microsoft YaHei Light" panose="020B0502040204020203" pitchFamily="34" charset="-122"/>
+                <a:ea typeface="Microsoft YaHei Light" panose="020B0502040204020203" pitchFamily="34" charset="-122"/>
+              </a:rPr>
+              <a:t>Banner</a:t>
+            </a:r>
+            <a:r>
+              <a:rPr lang="zh-CN" altLang="en-US" sz="1200" dirty="0">
+                <a:latin typeface="Microsoft YaHei Light" panose="020B0502040204020203" pitchFamily="34" charset="-122"/>
+                <a:ea typeface="Microsoft YaHei Light" panose="020B0502040204020203" pitchFamily="34" charset="-122"/>
+              </a:rPr>
+              <a:t>轮播组件</a:t>
+            </a:r>
+            <a:endParaRPr lang="en-US" sz="1200" dirty="0">
+              <a:latin typeface="Microsoft YaHei Light" panose="020B0502040204020203" pitchFamily="34" charset="-122"/>
+              <a:ea typeface="Microsoft YaHei Light" panose="020B0502040204020203" pitchFamily="34" charset="-122"/>
+            </a:endParaRPr>
+          </a:p>
+        </p:txBody>
+      </p:sp>
+      <p:sp>
+        <p:nvSpPr>
+          <p:cNvPr id="34" name="Rectangle 50">
+            <a:extLst>
+              <a:ext uri="{FF2B5EF4-FFF2-40B4-BE49-F238E27FC236}">
+                <a16:creationId xmlns:a16="http://schemas.microsoft.com/office/drawing/2014/main" id="{84BF42F9-4602-514B-8B45-AC84C99BE22F}"/>
+              </a:ext>
+            </a:extLst>
+          </p:cNvPr>
+          <p:cNvSpPr/>
+          <p:nvPr/>
+        </p:nvSpPr>
+        <p:spPr>
+          <a:xfrm>
+            <a:off x="5081652" y="4282900"/>
+            <a:ext cx="1536929" cy="333432"/>
+          </a:xfrm>
+          <a:prstGeom prst="rect">
+            <a:avLst/>
+          </a:prstGeom>
+        </p:spPr>
+        <p:style>
+          <a:lnRef idx="2">
+            <a:schemeClr val="accent1"/>
+          </a:lnRef>
+          <a:fillRef idx="1">
+            <a:schemeClr val="lt1"/>
+          </a:fillRef>
+          <a:effectRef idx="0">
+            <a:schemeClr val="accent1"/>
+          </a:effectRef>
+          <a:fontRef idx="minor">
+            <a:schemeClr val="dk1"/>
+          </a:fontRef>
+        </p:style>
+        <p:txBody>
+          <a:bodyPr rtlCol="0" anchor="ctr"/>
+          <a:lstStyle/>
+          <a:p>
+            <a:pPr algn="ctr"/>
+            <a:r>
+              <a:rPr lang="zh-CN" altLang="en-US" sz="1200" dirty="0">
+                <a:latin typeface="Microsoft YaHei Light" panose="020B0502040204020203" pitchFamily="34" charset="-122"/>
+                <a:ea typeface="Microsoft YaHei Light" panose="020B0502040204020203" pitchFamily="34" charset="-122"/>
+              </a:rPr>
+              <a:t>数据解析组件</a:t>
+            </a:r>
+            <a:endParaRPr lang="en-US" sz="1200" dirty="0">
+              <a:latin typeface="Microsoft YaHei Light" panose="020B0502040204020203" pitchFamily="34" charset="-122"/>
+              <a:ea typeface="Microsoft YaHei Light" panose="020B0502040204020203" pitchFamily="34" charset="-122"/>
+            </a:endParaRPr>
+          </a:p>
+        </p:txBody>
+      </p:sp>
+      <p:sp>
+        <p:nvSpPr>
+          <p:cNvPr id="35" name="Rectangle 50">
+            <a:extLst>
+              <a:ext uri="{FF2B5EF4-FFF2-40B4-BE49-F238E27FC236}">
+                <a16:creationId xmlns:a16="http://schemas.microsoft.com/office/drawing/2014/main" id="{E81D5E62-670D-2A48-84C3-4AF757BCB2FC}"/>
+              </a:ext>
+            </a:extLst>
+          </p:cNvPr>
+          <p:cNvSpPr/>
+          <p:nvPr/>
+        </p:nvSpPr>
+        <p:spPr>
+          <a:xfrm>
+            <a:off x="6717962" y="3829986"/>
+            <a:ext cx="1930424" cy="333432"/>
+          </a:xfrm>
+          <a:prstGeom prst="rect">
+            <a:avLst/>
+          </a:prstGeom>
+        </p:spPr>
+        <p:style>
+          <a:lnRef idx="2">
+            <a:schemeClr val="accent1"/>
+          </a:lnRef>
+          <a:fillRef idx="1">
+            <a:schemeClr val="lt1"/>
+          </a:fillRef>
+          <a:effectRef idx="0">
+            <a:schemeClr val="accent1"/>
+          </a:effectRef>
+          <a:fontRef idx="minor">
+            <a:schemeClr val="dk1"/>
+          </a:fontRef>
+        </p:style>
+        <p:txBody>
+          <a:bodyPr rtlCol="0" anchor="ctr"/>
+          <a:lstStyle/>
+          <a:p>
+            <a:pPr algn="ctr"/>
+            <a:r>
+              <a:rPr lang="en-US" sz="1200" dirty="0" err="1">
+                <a:latin typeface="Microsoft YaHei Light" panose="020B0502040204020203" pitchFamily="34" charset="-122"/>
+                <a:ea typeface="Microsoft YaHei Light" panose="020B0502040204020203" pitchFamily="34" charset="-122"/>
+              </a:rPr>
+              <a:t>KeyChain</a:t>
+            </a:r>
+            <a:r>
+              <a:rPr lang="zh-CN" altLang="en-US" sz="1200" dirty="0">
+                <a:latin typeface="Microsoft YaHei Light" panose="020B0502040204020203" pitchFamily="34" charset="-122"/>
+                <a:ea typeface="Microsoft YaHei Light" panose="020B0502040204020203" pitchFamily="34" charset="-122"/>
+              </a:rPr>
+              <a:t>存储组件</a:t>
+            </a:r>
+            <a:endParaRPr lang="en-US" sz="1200" dirty="0">
+              <a:latin typeface="Microsoft YaHei Light" panose="020B0502040204020203" pitchFamily="34" charset="-122"/>
+              <a:ea typeface="Microsoft YaHei Light" panose="020B0502040204020203" pitchFamily="34" charset="-122"/>
+            </a:endParaRPr>
+          </a:p>
+        </p:txBody>
+      </p:sp>
+      <p:sp>
+        <p:nvSpPr>
+          <p:cNvPr id="36" name="Rectangle 50">
+            <a:extLst>
+              <a:ext uri="{FF2B5EF4-FFF2-40B4-BE49-F238E27FC236}">
+                <a16:creationId xmlns:a16="http://schemas.microsoft.com/office/drawing/2014/main" id="{0DD8B4AB-5CC4-E546-B31E-2FB5028A689A}"/>
+              </a:ext>
+            </a:extLst>
+          </p:cNvPr>
+          <p:cNvSpPr/>
+          <p:nvPr/>
+        </p:nvSpPr>
+        <p:spPr>
+          <a:xfrm>
+            <a:off x="3725692" y="4925513"/>
+            <a:ext cx="1930424" cy="333432"/>
+          </a:xfrm>
+          <a:prstGeom prst="rect">
+            <a:avLst/>
+          </a:prstGeom>
+        </p:spPr>
+        <p:style>
+          <a:lnRef idx="2">
+            <a:schemeClr val="accent1"/>
+          </a:lnRef>
+          <a:fillRef idx="1">
+            <a:schemeClr val="lt1"/>
+          </a:fillRef>
+          <a:effectRef idx="0">
+            <a:schemeClr val="accent1"/>
+          </a:effectRef>
+          <a:fontRef idx="minor">
+            <a:schemeClr val="dk1"/>
+          </a:fontRef>
+        </p:style>
+        <p:txBody>
+          <a:bodyPr rtlCol="0" anchor="ctr"/>
+          <a:lstStyle/>
+          <a:p>
+            <a:pPr algn="ctr"/>
+            <a:r>
+              <a:rPr lang="zh-CN" altLang="en-US" sz="1200" dirty="0">
+                <a:latin typeface="Microsoft YaHei Light" panose="020B0502040204020203" pitchFamily="34" charset="-122"/>
+                <a:ea typeface="Microsoft YaHei Light" panose="020B0502040204020203" pitchFamily="34" charset="-122"/>
+              </a:rPr>
+              <a:t>上提下拉刷新组件</a:t>
+            </a:r>
+            <a:endParaRPr lang="en-US" sz="1200" dirty="0">
+              <a:latin typeface="Microsoft YaHei Light" panose="020B0502040204020203" pitchFamily="34" charset="-122"/>
+              <a:ea typeface="Microsoft YaHei Light" panose="020B0502040204020203" pitchFamily="34" charset="-122"/>
+            </a:endParaRPr>
+          </a:p>
+        </p:txBody>
+      </p:sp>
+      <p:sp>
+        <p:nvSpPr>
+          <p:cNvPr id="37" name="Rectangle 50">
+            <a:extLst>
+              <a:ext uri="{FF2B5EF4-FFF2-40B4-BE49-F238E27FC236}">
+                <a16:creationId xmlns:a16="http://schemas.microsoft.com/office/drawing/2014/main" id="{91B2282B-713B-E348-8127-519FAF6FC083}"/>
+              </a:ext>
+            </a:extLst>
+          </p:cNvPr>
+          <p:cNvSpPr/>
+          <p:nvPr/>
+        </p:nvSpPr>
+        <p:spPr>
+          <a:xfrm>
+            <a:off x="5850116" y="4925513"/>
+            <a:ext cx="1930424" cy="333432"/>
+          </a:xfrm>
+          <a:prstGeom prst="rect">
+            <a:avLst/>
+          </a:prstGeom>
+        </p:spPr>
+        <p:style>
+          <a:lnRef idx="2">
+            <a:schemeClr val="accent1"/>
+          </a:lnRef>
+          <a:fillRef idx="1">
+            <a:schemeClr val="lt1"/>
+          </a:fillRef>
+          <a:effectRef idx="0">
+            <a:schemeClr val="accent1"/>
+          </a:effectRef>
+          <a:fontRef idx="minor">
+            <a:schemeClr val="dk1"/>
+          </a:fontRef>
+        </p:style>
+        <p:txBody>
+          <a:bodyPr rtlCol="0" anchor="ctr"/>
+          <a:lstStyle/>
+          <a:p>
+            <a:pPr algn="ctr"/>
+            <a:r>
+              <a:rPr lang="zh-CN" altLang="en-US" sz="1200" dirty="0">
+                <a:latin typeface="Microsoft YaHei Light" panose="020B0502040204020203" pitchFamily="34" charset="-122"/>
+                <a:ea typeface="Microsoft YaHei Light" panose="020B0502040204020203" pitchFamily="34" charset="-122"/>
+              </a:rPr>
+              <a:t>网络异常提示组件</a:t>
+            </a:r>
+            <a:endParaRPr lang="en-US" sz="1200" dirty="0">
+              <a:latin typeface="Microsoft YaHei Light" panose="020B0502040204020203" pitchFamily="34" charset="-122"/>
+              <a:ea typeface="Microsoft YaHei Light" panose="020B0502040204020203" pitchFamily="34" charset="-122"/>
+            </a:endParaRPr>
+          </a:p>
+        </p:txBody>
+      </p:sp>
+      <p:sp>
+        <p:nvSpPr>
+          <p:cNvPr id="38" name="Rectangle 50">
+            <a:extLst>
+              <a:ext uri="{FF2B5EF4-FFF2-40B4-BE49-F238E27FC236}">
+                <a16:creationId xmlns:a16="http://schemas.microsoft.com/office/drawing/2014/main" id="{B56C7293-679E-2546-B276-2859114A692A}"/>
+              </a:ext>
+            </a:extLst>
+          </p:cNvPr>
+          <p:cNvSpPr/>
+          <p:nvPr/>
+        </p:nvSpPr>
+        <p:spPr>
+          <a:xfrm>
+            <a:off x="7895303" y="4925513"/>
+            <a:ext cx="1930424" cy="333432"/>
+          </a:xfrm>
+          <a:prstGeom prst="rect">
+            <a:avLst/>
+          </a:prstGeom>
+        </p:spPr>
+        <p:style>
+          <a:lnRef idx="2">
+            <a:schemeClr val="accent1"/>
+          </a:lnRef>
+          <a:fillRef idx="1">
+            <a:schemeClr val="lt1"/>
+          </a:fillRef>
+          <a:effectRef idx="0">
+            <a:schemeClr val="accent1"/>
+          </a:effectRef>
+          <a:fontRef idx="minor">
+            <a:schemeClr val="dk1"/>
+          </a:fontRef>
+        </p:style>
+        <p:txBody>
+          <a:bodyPr rtlCol="0" anchor="ctr"/>
+          <a:lstStyle/>
+          <a:p>
+            <a:pPr algn="ctr"/>
+            <a:r>
+              <a:rPr lang="zh-CN" altLang="en-US" sz="1200" dirty="0">
+                <a:latin typeface="Microsoft YaHei Light" panose="020B0502040204020203" pitchFamily="34" charset="-122"/>
+                <a:ea typeface="Microsoft YaHei Light" panose="020B0502040204020203" pitchFamily="34" charset="-122"/>
+              </a:rPr>
+              <a:t>启动引导组件</a:t>
+            </a:r>
+            <a:endParaRPr lang="en-US" sz="1200" dirty="0">
+              <a:latin typeface="Microsoft YaHei Light" panose="020B0502040204020203" pitchFamily="34" charset="-122"/>
+              <a:ea typeface="Microsoft YaHei Light" panose="020B0502040204020203" pitchFamily="34" charset="-122"/>
+            </a:endParaRPr>
+          </a:p>
+        </p:txBody>
+      </p:sp>
+      <p:sp>
+        <p:nvSpPr>
+          <p:cNvPr id="39" name="Rectangle 50">
+            <a:extLst>
+              <a:ext uri="{FF2B5EF4-FFF2-40B4-BE49-F238E27FC236}">
+                <a16:creationId xmlns:a16="http://schemas.microsoft.com/office/drawing/2014/main" id="{22874B43-C396-AB49-9CB7-71AAF00D2518}"/>
+              </a:ext>
+            </a:extLst>
+          </p:cNvPr>
+          <p:cNvSpPr/>
+          <p:nvPr/>
+        </p:nvSpPr>
+        <p:spPr>
+          <a:xfrm>
+            <a:off x="1655655" y="5519701"/>
+            <a:ext cx="1930424" cy="333432"/>
+          </a:xfrm>
+          <a:prstGeom prst="rect">
+            <a:avLst/>
+          </a:prstGeom>
+        </p:spPr>
+        <p:style>
+          <a:lnRef idx="2">
+            <a:schemeClr val="accent1"/>
+          </a:lnRef>
+          <a:fillRef idx="1">
+            <a:schemeClr val="lt1"/>
+          </a:fillRef>
+          <a:effectRef idx="0">
+            <a:schemeClr val="accent1"/>
+          </a:effectRef>
+          <a:fontRef idx="minor">
+            <a:schemeClr val="dk1"/>
+          </a:fontRef>
+        </p:style>
+        <p:txBody>
+          <a:bodyPr rtlCol="0" anchor="ctr"/>
+          <a:lstStyle/>
+          <a:p>
+            <a:pPr algn="ctr"/>
+            <a:r>
+              <a:rPr lang="zh-CN" altLang="en-US" sz="1200" dirty="0">
+                <a:latin typeface="Microsoft YaHei Light" panose="020B0502040204020203" pitchFamily="34" charset="-122"/>
+                <a:ea typeface="Microsoft YaHei Light" panose="020B0502040204020203" pitchFamily="34" charset="-122"/>
+              </a:rPr>
+              <a:t>账号</a:t>
+            </a:r>
+            <a:r>
+              <a:rPr lang="en-US" altLang="zh-CN" sz="1200" dirty="0">
+                <a:latin typeface="Microsoft YaHei Light" panose="020B0502040204020203" pitchFamily="34" charset="-122"/>
+                <a:ea typeface="Microsoft YaHei Light" panose="020B0502040204020203" pitchFamily="34" charset="-122"/>
+              </a:rPr>
+              <a:t>SDK</a:t>
+            </a:r>
+            <a:endParaRPr lang="en-US" sz="1200" dirty="0">
+              <a:latin typeface="Microsoft YaHei Light" panose="020B0502040204020203" pitchFamily="34" charset="-122"/>
+              <a:ea typeface="Microsoft YaHei Light" panose="020B0502040204020203" pitchFamily="34" charset="-122"/>
+            </a:endParaRPr>
+          </a:p>
+        </p:txBody>
+      </p:sp>
+      <p:sp>
+        <p:nvSpPr>
+          <p:cNvPr id="40" name="Rectangle 50">
+            <a:extLst>
+              <a:ext uri="{FF2B5EF4-FFF2-40B4-BE49-F238E27FC236}">
+                <a16:creationId xmlns:a16="http://schemas.microsoft.com/office/drawing/2014/main" id="{5A44BE2E-51AB-6747-A17C-8F8E961D5B59}"/>
+              </a:ext>
+            </a:extLst>
+          </p:cNvPr>
+          <p:cNvSpPr/>
+          <p:nvPr/>
+        </p:nvSpPr>
+        <p:spPr>
+          <a:xfrm>
+            <a:off x="3716855" y="5519701"/>
+            <a:ext cx="1930424" cy="333432"/>
+          </a:xfrm>
+          <a:prstGeom prst="rect">
+            <a:avLst/>
+          </a:prstGeom>
+        </p:spPr>
+        <p:style>
+          <a:lnRef idx="2">
+            <a:schemeClr val="accent1"/>
+          </a:lnRef>
+          <a:fillRef idx="1">
+            <a:schemeClr val="lt1"/>
+          </a:fillRef>
+          <a:effectRef idx="0">
+            <a:schemeClr val="accent1"/>
+          </a:effectRef>
+          <a:fontRef idx="minor">
+            <a:schemeClr val="dk1"/>
+          </a:fontRef>
+        </p:style>
+        <p:txBody>
+          <a:bodyPr rtlCol="0" anchor="ctr"/>
+          <a:lstStyle/>
+          <a:p>
+            <a:pPr algn="ctr"/>
+            <a:r>
+              <a:rPr lang="zh-CN" altLang="en-US" sz="1200" dirty="0">
+                <a:latin typeface="Microsoft YaHei Light" panose="020B0502040204020203" pitchFamily="34" charset="-122"/>
+                <a:ea typeface="Microsoft YaHei Light" panose="020B0502040204020203" pitchFamily="34" charset="-122"/>
+              </a:rPr>
+              <a:t>第三方分享</a:t>
+            </a:r>
+            <a:r>
+              <a:rPr lang="en-US" altLang="zh-CN" sz="1200" dirty="0">
+                <a:latin typeface="Microsoft YaHei Light" panose="020B0502040204020203" pitchFamily="34" charset="-122"/>
+                <a:ea typeface="Microsoft YaHei Light" panose="020B0502040204020203" pitchFamily="34" charset="-122"/>
+              </a:rPr>
+              <a:t>SDK</a:t>
+            </a:r>
+            <a:endParaRPr lang="en-US" sz="1200" dirty="0">
+              <a:latin typeface="Microsoft YaHei Light" panose="020B0502040204020203" pitchFamily="34" charset="-122"/>
+              <a:ea typeface="Microsoft YaHei Light" panose="020B0502040204020203" pitchFamily="34" charset="-122"/>
+            </a:endParaRPr>
+          </a:p>
+        </p:txBody>
+      </p:sp>
+      <p:sp>
+        <p:nvSpPr>
+          <p:cNvPr id="41" name="Rectangle 50">
+            <a:extLst>
+              <a:ext uri="{FF2B5EF4-FFF2-40B4-BE49-F238E27FC236}">
+                <a16:creationId xmlns:a16="http://schemas.microsoft.com/office/drawing/2014/main" id="{76A676E5-7E05-4C40-844F-C54DFBF542AC}"/>
+              </a:ext>
+            </a:extLst>
+          </p:cNvPr>
+          <p:cNvSpPr/>
+          <p:nvPr/>
+        </p:nvSpPr>
+        <p:spPr>
+          <a:xfrm>
+            <a:off x="5817971" y="5518412"/>
+            <a:ext cx="1930424" cy="333432"/>
+          </a:xfrm>
+          <a:prstGeom prst="rect">
+            <a:avLst/>
+          </a:prstGeom>
+        </p:spPr>
+        <p:style>
+          <a:lnRef idx="2">
+            <a:schemeClr val="accent1"/>
+          </a:lnRef>
+          <a:fillRef idx="1">
+            <a:schemeClr val="lt1"/>
+          </a:fillRef>
+          <a:effectRef idx="0">
+            <a:schemeClr val="accent1"/>
+          </a:effectRef>
+          <a:fontRef idx="minor">
+            <a:schemeClr val="dk1"/>
+          </a:fontRef>
+        </p:style>
+        <p:txBody>
+          <a:bodyPr rtlCol="0" anchor="ctr"/>
+          <a:lstStyle/>
+          <a:p>
+            <a:pPr algn="ctr"/>
+            <a:r>
+              <a:rPr lang="en-US" altLang="zh-CN" sz="1200" dirty="0">
+                <a:latin typeface="Microsoft YaHei Light" panose="020B0502040204020203" pitchFamily="34" charset="-122"/>
+                <a:ea typeface="Microsoft YaHei Light" panose="020B0502040204020203" pitchFamily="34" charset="-122"/>
+              </a:rPr>
+              <a:t>Web</a:t>
+            </a:r>
+            <a:r>
+              <a:rPr lang="zh-CN" altLang="en-US" sz="1200" dirty="0">
+                <a:latin typeface="Microsoft YaHei Light" panose="020B0502040204020203" pitchFamily="34" charset="-122"/>
+                <a:ea typeface="Microsoft YaHei Light" panose="020B0502040204020203" pitchFamily="34" charset="-122"/>
+              </a:rPr>
+              <a:t>组件</a:t>
+            </a:r>
+            <a:r>
+              <a:rPr lang="en-US" altLang="zh-CN" sz="1200" dirty="0">
+                <a:latin typeface="Microsoft YaHei Light" panose="020B0502040204020203" pitchFamily="34" charset="-122"/>
+                <a:ea typeface="Microsoft YaHei Light" panose="020B0502040204020203" pitchFamily="34" charset="-122"/>
+              </a:rPr>
+              <a:t>SDK</a:t>
+            </a:r>
+            <a:endParaRPr lang="en-US" sz="1200" dirty="0">
+              <a:latin typeface="Microsoft YaHei Light" panose="020B0502040204020203" pitchFamily="34" charset="-122"/>
+              <a:ea typeface="Microsoft YaHei Light" panose="020B0502040204020203" pitchFamily="34" charset="-122"/>
+            </a:endParaRPr>
+          </a:p>
+        </p:txBody>
+      </p:sp>
+      <p:sp>
+        <p:nvSpPr>
+          <p:cNvPr id="42" name="Rectangle 50">
+            <a:extLst>
+              <a:ext uri="{FF2B5EF4-FFF2-40B4-BE49-F238E27FC236}">
+                <a16:creationId xmlns:a16="http://schemas.microsoft.com/office/drawing/2014/main" id="{C9D15E83-5CA3-7E4A-8217-2C97980DAFD9}"/>
+              </a:ext>
+            </a:extLst>
+          </p:cNvPr>
+          <p:cNvSpPr/>
+          <p:nvPr/>
+        </p:nvSpPr>
+        <p:spPr>
+          <a:xfrm>
+            <a:off x="7895303" y="5518412"/>
+            <a:ext cx="1930424" cy="333432"/>
+          </a:xfrm>
+          <a:prstGeom prst="rect">
+            <a:avLst/>
+          </a:prstGeom>
+        </p:spPr>
+        <p:style>
+          <a:lnRef idx="2">
+            <a:schemeClr val="accent1"/>
+          </a:lnRef>
+          <a:fillRef idx="1">
+            <a:schemeClr val="lt1"/>
+          </a:fillRef>
+          <a:effectRef idx="0">
+            <a:schemeClr val="accent1"/>
+          </a:effectRef>
+          <a:fontRef idx="minor">
+            <a:schemeClr val="dk1"/>
+          </a:fontRef>
+        </p:style>
+        <p:txBody>
+          <a:bodyPr rtlCol="0" anchor="ctr"/>
+          <a:lstStyle/>
+          <a:p>
+            <a:pPr algn="ctr"/>
+            <a:r>
+              <a:rPr lang="zh-CN" altLang="en-US" sz="1200" dirty="0">
+                <a:latin typeface="Microsoft YaHei Light" panose="020B0502040204020203" pitchFamily="34" charset="-122"/>
+                <a:ea typeface="Microsoft YaHei Light" panose="020B0502040204020203" pitchFamily="34" charset="-122"/>
+              </a:rPr>
+              <a:t>崩溃收集组件</a:t>
+            </a:r>
+            <a:endParaRPr lang="en-US" sz="1200" dirty="0">
+              <a:latin typeface="Microsoft YaHei Light" panose="020B0502040204020203" pitchFamily="34" charset="-122"/>
+              <a:ea typeface="Microsoft YaHei Light" panose="020B0502040204020203" pitchFamily="34" charset="-122"/>
+            </a:endParaRPr>
+          </a:p>
+        </p:txBody>
+      </p:sp>
+      <p:sp>
+        <p:nvSpPr>
+          <p:cNvPr id="43" name="Rectangle 50">
+            <a:extLst>
+              <a:ext uri="{FF2B5EF4-FFF2-40B4-BE49-F238E27FC236}">
+                <a16:creationId xmlns:a16="http://schemas.microsoft.com/office/drawing/2014/main" id="{5E32C0C0-3E2D-F14F-ABFD-092EB59DF0E9}"/>
+              </a:ext>
+            </a:extLst>
+          </p:cNvPr>
+          <p:cNvSpPr/>
+          <p:nvPr/>
+        </p:nvSpPr>
+        <p:spPr>
+          <a:xfrm>
+            <a:off x="1655655" y="6004358"/>
+            <a:ext cx="1930424" cy="333432"/>
+          </a:xfrm>
+          <a:prstGeom prst="rect">
+            <a:avLst/>
+          </a:prstGeom>
+        </p:spPr>
+        <p:style>
+          <a:lnRef idx="2">
+            <a:schemeClr val="accent1"/>
+          </a:lnRef>
+          <a:fillRef idx="1">
+            <a:schemeClr val="lt1"/>
+          </a:fillRef>
+          <a:effectRef idx="0">
+            <a:schemeClr val="accent1"/>
+          </a:effectRef>
+          <a:fontRef idx="minor">
+            <a:schemeClr val="dk1"/>
+          </a:fontRef>
+        </p:style>
+        <p:txBody>
+          <a:bodyPr rtlCol="0" anchor="ctr"/>
+          <a:lstStyle/>
+          <a:p>
+            <a:pPr algn="ctr"/>
+            <a:r>
+              <a:rPr lang="zh-CN" altLang="en-US" sz="1200" dirty="0">
+                <a:latin typeface="Microsoft YaHei Light" panose="020B0502040204020203" pitchFamily="34" charset="-122"/>
+                <a:ea typeface="Microsoft YaHei Light" panose="020B0502040204020203" pitchFamily="34" charset="-122"/>
+              </a:rPr>
+              <a:t>日志组件</a:t>
+            </a:r>
+            <a:endParaRPr lang="en-US" sz="1200" dirty="0">
+              <a:latin typeface="Microsoft YaHei Light" panose="020B0502040204020203" pitchFamily="34" charset="-122"/>
+              <a:ea typeface="Microsoft YaHei Light" panose="020B0502040204020203" pitchFamily="34" charset="-122"/>
+            </a:endParaRPr>
+          </a:p>
+        </p:txBody>
+      </p:sp>
+      <p:sp>
+        <p:nvSpPr>
+          <p:cNvPr id="44" name="Rectangle 50">
+            <a:extLst>
+              <a:ext uri="{FF2B5EF4-FFF2-40B4-BE49-F238E27FC236}">
+                <a16:creationId xmlns:a16="http://schemas.microsoft.com/office/drawing/2014/main" id="{FE95E808-062B-BD41-B063-227EFFC05187}"/>
+              </a:ext>
+            </a:extLst>
+          </p:cNvPr>
+          <p:cNvSpPr/>
+          <p:nvPr/>
+        </p:nvSpPr>
+        <p:spPr>
+          <a:xfrm>
+            <a:off x="3725692" y="6004358"/>
+            <a:ext cx="1930424" cy="333432"/>
+          </a:xfrm>
+          <a:prstGeom prst="rect">
+            <a:avLst/>
+          </a:prstGeom>
+        </p:spPr>
+        <p:style>
+          <a:lnRef idx="2">
+            <a:schemeClr val="accent1"/>
+          </a:lnRef>
+          <a:fillRef idx="1">
+            <a:schemeClr val="lt1"/>
+          </a:fillRef>
+          <a:effectRef idx="0">
+            <a:schemeClr val="accent1"/>
+          </a:effectRef>
+          <a:fontRef idx="minor">
+            <a:schemeClr val="dk1"/>
+          </a:fontRef>
+        </p:style>
+        <p:txBody>
+          <a:bodyPr rtlCol="0" anchor="ctr"/>
+          <a:lstStyle/>
+          <a:p>
+            <a:pPr algn="ctr"/>
+            <a:r>
+              <a:rPr lang="zh-CN" altLang="en-US" sz="1200" dirty="0">
+                <a:latin typeface="Microsoft YaHei Light" panose="020B0502040204020203" pitchFamily="34" charset="-122"/>
+                <a:ea typeface="Microsoft YaHei Light" panose="020B0502040204020203" pitchFamily="34" charset="-122"/>
+              </a:rPr>
+              <a:t>统计埋点组件</a:t>
             </a:r>
             <a:endParaRPr lang="en-US" sz="1200" dirty="0">
               <a:latin typeface="Microsoft YaHei Light" panose="020B0502040204020203" pitchFamily="34" charset="-122"/>
